--- a/example/ppt.pptx
+++ b/example/ppt.pptx
@@ -2928,36 +2928,81 @@
             <p:ph type="ctrTitle"/>
           </p:nvPr>
         </p:nvSpPr>
-        <p:spPr/>
-        <p:txBody>
-          <a:bodyPr/>
-          <a:p>
-            <a:r>
-              <a:rPr lang="en-US" altLang="zh-CN"/>
+        <p:spPr>
+          <a:xfrm>
+            <a:off x="2207260" y="3154045"/>
+            <a:ext cx="9144000" cy="830580"/>
+          </a:xfrm>
+        </p:spPr>
+        <p:txBody>
+          <a:bodyPr>
+            <a:normAutofit fontScale="90000"/>
+            <a:scene3d>
+              <a:camera prst="orthographicFront"/>
+              <a:lightRig rig="threePt" dir="t"/>
+            </a:scene3d>
+          </a:bodyPr>
+          <a:p>
+            <a:r>
+              <a:rPr lang="en-US" altLang="zh-CN">
+                <a:ln w="22225">
+                  <a:solidFill>
+                    <a:schemeClr val="accent2"/>
+                  </a:solidFill>
+                  <a:prstDash val="solid"/>
+                </a:ln>
+                <a:solidFill>
+                  <a:schemeClr val="accent2">
+                    <a:lumMod val="40000"/>
+                    <a:lumOff val="60000"/>
+                  </a:schemeClr>
+                </a:solidFill>
+                <a:effectLst/>
+              </a:rPr>
               <a:t>1111111111111111111</a:t>
             </a:r>
-            <a:endParaRPr lang="en-US" altLang="zh-CN"/>
-          </a:p>
-        </p:txBody>
-      </p:sp>
-      <p:sp>
-        <p:nvSpPr>
-          <p:cNvPr id="3" name="副标题 2"/>
-          <p:cNvSpPr>
-            <a:spLocks noGrp="1"/>
-          </p:cNvSpPr>
-          <p:nvPr>
-            <p:ph type="subTitle" idx="1"/>
-          </p:nvPr>
-        </p:nvSpPr>
-        <p:spPr/>
-        <p:txBody>
-          <a:bodyPr/>
-          <a:p>
-            <a:endParaRPr lang="zh-CN" altLang="en-US"/>
-          </a:p>
-        </p:txBody>
-      </p:sp>
+            <a:endParaRPr lang="en-US" altLang="zh-CN">
+              <a:ln w="22225">
+                <a:solidFill>
+                  <a:schemeClr val="accent2"/>
+                </a:solidFill>
+                <a:prstDash val="solid"/>
+              </a:ln>
+              <a:solidFill>
+                <a:schemeClr val="accent2">
+                  <a:lumMod val="40000"/>
+                  <a:lumOff val="60000"/>
+                </a:schemeClr>
+              </a:solidFill>
+              <a:effectLst/>
+            </a:endParaRPr>
+          </a:p>
+        </p:txBody>
+      </p:sp>
+      <p:pic>
+        <p:nvPicPr>
+          <p:cNvPr id="4" name="图片 3" descr="pic"/>
+          <p:cNvPicPr>
+            <a:picLocks noChangeAspect="1"/>
+          </p:cNvPicPr>
+          <p:nvPr/>
+        </p:nvPicPr>
+        <p:blipFill>
+          <a:blip r:embed="rId1"/>
+          <a:stretch>
+            <a:fillRect/>
+          </a:stretch>
+        </p:blipFill>
+        <p:spPr>
+          <a:xfrm>
+            <a:off x="439420" y="246380"/>
+            <a:ext cx="3014980" cy="6149975"/>
+          </a:xfrm>
+          <a:prstGeom prst="rect">
+            <a:avLst/>
+          </a:prstGeom>
+        </p:spPr>
+      </p:pic>
     </p:spTree>
   </p:cSld>
   <p:clrMapOvr>
@@ -2991,10 +3036,34 @@
           <a:bodyPr/>
           <a:p>
             <a:r>
-              <a:rPr lang="en-US" altLang="zh-CN"/>
+              <a:rPr lang="en-US" altLang="zh-CN">
+                <a:ln/>
+                <a:solidFill>
+                  <a:schemeClr val="accent1"/>
+                </a:solidFill>
+                <a:effectLst>
+                  <a:outerShdw blurRad="38100" dist="25400" dir="5400000" algn="ctr" rotWithShape="0">
+                    <a:srgbClr val="6E747A">
+                      <a:alpha val="43000"/>
+                    </a:srgbClr>
+                  </a:outerShdw>
+                </a:effectLst>
+              </a:rPr>
               <a:t>222222222222222222222</a:t>
             </a:r>
-            <a:endParaRPr lang="en-US" altLang="zh-CN"/>
+            <a:endParaRPr lang="en-US" altLang="zh-CN">
+              <a:ln/>
+              <a:solidFill>
+                <a:schemeClr val="accent1"/>
+              </a:solidFill>
+              <a:effectLst>
+                <a:outerShdw blurRad="38100" dist="25400" dir="5400000" algn="ctr" rotWithShape="0">
+                  <a:srgbClr val="6E747A">
+                    <a:alpha val="43000"/>
+                  </a:srgbClr>
+                </a:outerShdw>
+              </a:effectLst>
+            </a:endParaRPr>
           </a:p>
         </p:txBody>
       </p:sp>
@@ -3049,10 +3118,40 @@
           <a:bodyPr/>
           <a:p>
             <a:r>
-              <a:rPr lang="en-US" altLang="zh-CN"/>
+              <a:rPr lang="en-US" altLang="zh-CN">
+                <a:ln w="6600">
+                  <a:solidFill>
+                    <a:schemeClr val="accent2"/>
+                  </a:solidFill>
+                  <a:prstDash val="solid"/>
+                </a:ln>
+                <a:solidFill>
+                  <a:srgbClr val="FFFFFF"/>
+                </a:solidFill>
+                <a:effectLst>
+                  <a:outerShdw dist="38100" dir="2700000" algn="tl" rotWithShape="0">
+                    <a:schemeClr val="accent2"/>
+                  </a:outerShdw>
+                </a:effectLst>
+              </a:rPr>
               <a:t>333333333333333333333333</a:t>
             </a:r>
-            <a:endParaRPr lang="en-US" altLang="zh-CN"/>
+            <a:endParaRPr lang="en-US" altLang="zh-CN">
+              <a:ln w="6600">
+                <a:solidFill>
+                  <a:schemeClr val="accent2"/>
+                </a:solidFill>
+                <a:prstDash val="solid"/>
+              </a:ln>
+              <a:solidFill>
+                <a:srgbClr val="FFFFFF"/>
+              </a:solidFill>
+              <a:effectLst>
+                <a:outerShdw dist="38100" dir="2700000" algn="tl" rotWithShape="0">
+                  <a:schemeClr val="accent2"/>
+                </a:outerShdw>
+              </a:effectLst>
+            </a:endParaRPr>
           </a:p>
         </p:txBody>
       </p:sp>
